--- a/HW3/structure.pptx
+++ b/HW3/structure.pptx
@@ -6,6 +6,9 @@
   </p:sldMasterIdLst>
   <p:sldIdLst>
     <p:sldId id="256" r:id="rId2"/>
+    <p:sldId id="257" r:id="rId3"/>
+    <p:sldId id="258" r:id="rId4"/>
+    <p:sldId id="259" r:id="rId5"/>
   </p:sldIdLst>
   <p:sldSz cx="12192000" cy="6858000"/>
   <p:notesSz cx="6858000" cy="9144000"/>
@@ -104,6 +107,11 @@
       </a:defRPr>
     </a:lvl9pPr>
   </p:defaultTextStyle>
+  <p:extLst>
+    <p:ext uri="{EFAFB233-063F-42B5-8137-9DF3F51BA10A}">
+      <p15:sldGuideLst xmlns:p15="http://schemas.microsoft.com/office/powerpoint/2012/main"/>
+    </p:ext>
+  </p:extLst>
 </p:presentation>
 </file>
 
@@ -3774,6 +3782,1448 @@
 </p:sld>
 </file>
 
+<file path=ppt/slides/slide2.xml><?xml version="1.0" encoding="utf-8"?>
+<p:sld xmlns:a="http://schemas.openxmlformats.org/drawingml/2006/main" xmlns:r="http://schemas.openxmlformats.org/officeDocument/2006/relationships" xmlns:p="http://schemas.openxmlformats.org/presentationml/2006/main">
+  <p:cSld>
+    <p:spTree>
+      <p:nvGrpSpPr>
+        <p:cNvPr id="1" name=""/>
+        <p:cNvGrpSpPr/>
+        <p:nvPr/>
+      </p:nvGrpSpPr>
+      <p:grpSpPr>
+        <a:xfrm>
+          <a:off x="0" y="0"/>
+          <a:ext cx="0" cy="0"/>
+          <a:chOff x="0" y="0"/>
+          <a:chExt cx="0" cy="0"/>
+        </a:xfrm>
+      </p:grpSpPr>
+      <p:cxnSp>
+        <p:nvCxnSpPr>
+          <p:cNvPr id="5" name="直接连接符 4">
+            <a:extLst>
+              <a:ext uri="{FF2B5EF4-FFF2-40B4-BE49-F238E27FC236}">
+                <a16:creationId xmlns:a16="http://schemas.microsoft.com/office/drawing/2014/main" id="{AB1B0728-FCE7-4B14-B057-65F73F33495E}"/>
+              </a:ext>
+            </a:extLst>
+          </p:cNvPr>
+          <p:cNvCxnSpPr/>
+          <p:nvPr/>
+        </p:nvCxnSpPr>
+        <p:spPr>
+          <a:xfrm>
+            <a:off x="1286359" y="2293749"/>
+            <a:ext cx="7454685" cy="0"/>
+          </a:xfrm>
+          <a:prstGeom prst="line">
+            <a:avLst/>
+          </a:prstGeom>
+          <a:ln w="57150">
+            <a:solidFill>
+              <a:schemeClr val="tx1"/>
+            </a:solidFill>
+          </a:ln>
+        </p:spPr>
+        <p:style>
+          <a:lnRef idx="1">
+            <a:schemeClr val="accent1"/>
+          </a:lnRef>
+          <a:fillRef idx="0">
+            <a:schemeClr val="accent1"/>
+          </a:fillRef>
+          <a:effectRef idx="0">
+            <a:schemeClr val="accent1"/>
+          </a:effectRef>
+          <a:fontRef idx="minor">
+            <a:schemeClr val="tx1"/>
+          </a:fontRef>
+        </p:style>
+      </p:cxnSp>
+      <p:sp>
+        <p:nvSpPr>
+          <p:cNvPr id="6" name="文本框 5">
+            <a:extLst>
+              <a:ext uri="{FF2B5EF4-FFF2-40B4-BE49-F238E27FC236}">
+                <a16:creationId xmlns:a16="http://schemas.microsoft.com/office/drawing/2014/main" id="{2960BC52-CB74-4198-ADA3-7EFA3681FA90}"/>
+              </a:ext>
+            </a:extLst>
+          </p:cNvPr>
+          <p:cNvSpPr txBox="1"/>
+          <p:nvPr/>
+        </p:nvSpPr>
+        <p:spPr>
+          <a:xfrm>
+            <a:off x="1053885" y="2293749"/>
+            <a:ext cx="8739893" cy="369332"/>
+          </a:xfrm>
+          <a:prstGeom prst="rect">
+            <a:avLst/>
+          </a:prstGeom>
+          <a:noFill/>
+        </p:spPr>
+        <p:txBody>
+          <a:bodyPr wrap="none" rtlCol="0">
+            <a:spAutoFit/>
+          </a:bodyPr>
+          <a:lstStyle/>
+          <a:p>
+            <a:r>
+              <a:rPr lang="en-US" altLang="zh-CN" dirty="0"/>
+              <a:t>0	pw[1]		pw[1]+pw[2]	…		pw[1]+…+pw[400]=1</a:t>
+            </a:r>
+            <a:endParaRPr lang="zh-CN" altLang="en-US" dirty="0"/>
+          </a:p>
+        </p:txBody>
+      </p:sp>
+      <p:sp>
+        <p:nvSpPr>
+          <p:cNvPr id="7" name="椭圆 6">
+            <a:extLst>
+              <a:ext uri="{FF2B5EF4-FFF2-40B4-BE49-F238E27FC236}">
+                <a16:creationId xmlns:a16="http://schemas.microsoft.com/office/drawing/2014/main" id="{41C8B82C-39FA-4A82-B25A-C1A36B510305}"/>
+              </a:ext>
+            </a:extLst>
+          </p:cNvPr>
+          <p:cNvSpPr/>
+          <p:nvPr/>
+        </p:nvSpPr>
+        <p:spPr>
+          <a:xfrm>
+            <a:off x="1549831" y="1571766"/>
+            <a:ext cx="604433" cy="604433"/>
+          </a:xfrm>
+          <a:prstGeom prst="ellipse">
+            <a:avLst/>
+          </a:prstGeom>
+          <a:noFill/>
+        </p:spPr>
+        <p:style>
+          <a:lnRef idx="2">
+            <a:schemeClr val="accent1">
+              <a:shade val="50000"/>
+            </a:schemeClr>
+          </a:lnRef>
+          <a:fillRef idx="1">
+            <a:schemeClr val="accent1"/>
+          </a:fillRef>
+          <a:effectRef idx="0">
+            <a:schemeClr val="accent1"/>
+          </a:effectRef>
+          <a:fontRef idx="minor">
+            <a:schemeClr val="lt1"/>
+          </a:fontRef>
+        </p:style>
+        <p:txBody>
+          <a:bodyPr rtlCol="0" anchor="ctr"/>
+          <a:lstStyle/>
+          <a:p>
+            <a:pPr algn="ctr"/>
+            <a:r>
+              <a:rPr lang="en-US" altLang="zh-CN" sz="2800" b="1" dirty="0">
+                <a:solidFill>
+                  <a:srgbClr val="FF0000"/>
+                </a:solidFill>
+              </a:rPr>
+              <a:t>v</a:t>
+            </a:r>
+            <a:endParaRPr lang="zh-CN" altLang="en-US" sz="2800" b="1" dirty="0">
+              <a:solidFill>
+                <a:srgbClr val="FF0000"/>
+              </a:solidFill>
+            </a:endParaRPr>
+          </a:p>
+        </p:txBody>
+      </p:sp>
+      <p:cxnSp>
+        <p:nvCxnSpPr>
+          <p:cNvPr id="9" name="直接箭头连接符 8">
+            <a:extLst>
+              <a:ext uri="{FF2B5EF4-FFF2-40B4-BE49-F238E27FC236}">
+                <a16:creationId xmlns:a16="http://schemas.microsoft.com/office/drawing/2014/main" id="{B6F7E304-9B37-460E-846B-DC71E47520DD}"/>
+              </a:ext>
+            </a:extLst>
+          </p:cNvPr>
+          <p:cNvCxnSpPr>
+            <a:cxnSpLocks/>
+            <a:stCxn id="7" idx="4"/>
+          </p:cNvCxnSpPr>
+          <p:nvPr/>
+        </p:nvCxnSpPr>
+        <p:spPr>
+          <a:xfrm>
+            <a:off x="1852048" y="2176199"/>
+            <a:ext cx="0" cy="690987"/>
+          </a:xfrm>
+          <a:prstGeom prst="straightConnector1">
+            <a:avLst/>
+          </a:prstGeom>
+          <a:ln w="57150">
+            <a:solidFill>
+              <a:srgbClr val="0070C0"/>
+            </a:solidFill>
+            <a:tailEnd type="triangle"/>
+          </a:ln>
+        </p:spPr>
+        <p:style>
+          <a:lnRef idx="1">
+            <a:schemeClr val="accent1"/>
+          </a:lnRef>
+          <a:fillRef idx="0">
+            <a:schemeClr val="accent1"/>
+          </a:fillRef>
+          <a:effectRef idx="0">
+            <a:schemeClr val="accent1"/>
+          </a:effectRef>
+          <a:fontRef idx="minor">
+            <a:schemeClr val="tx1"/>
+          </a:fontRef>
+        </p:style>
+      </p:cxnSp>
+      <p:sp>
+        <p:nvSpPr>
+          <p:cNvPr id="11" name="椭圆 10">
+            <a:extLst>
+              <a:ext uri="{FF2B5EF4-FFF2-40B4-BE49-F238E27FC236}">
+                <a16:creationId xmlns:a16="http://schemas.microsoft.com/office/drawing/2014/main" id="{D4A0C7FA-B1FD-4F0E-83F8-6598FD497111}"/>
+              </a:ext>
+            </a:extLst>
+          </p:cNvPr>
+          <p:cNvSpPr/>
+          <p:nvPr/>
+        </p:nvSpPr>
+        <p:spPr>
+          <a:xfrm>
+            <a:off x="1363850" y="2796130"/>
+            <a:ext cx="976393" cy="976393"/>
+          </a:xfrm>
+          <a:prstGeom prst="ellipse">
+            <a:avLst/>
+          </a:prstGeom>
+          <a:noFill/>
+        </p:spPr>
+        <p:style>
+          <a:lnRef idx="2">
+            <a:schemeClr val="accent1">
+              <a:shade val="50000"/>
+            </a:schemeClr>
+          </a:lnRef>
+          <a:fillRef idx="1">
+            <a:schemeClr val="accent1"/>
+          </a:fillRef>
+          <a:effectRef idx="0">
+            <a:schemeClr val="accent1"/>
+          </a:effectRef>
+          <a:fontRef idx="minor">
+            <a:schemeClr val="lt1"/>
+          </a:fontRef>
+        </p:style>
+        <p:txBody>
+          <a:bodyPr rtlCol="0" anchor="ctr"/>
+          <a:lstStyle/>
+          <a:p>
+            <a:pPr algn="ctr"/>
+            <a:r>
+              <a:rPr lang="en-US" altLang="zh-CN" b="1" dirty="0">
+                <a:solidFill>
+                  <a:schemeClr val="tx1"/>
+                </a:solidFill>
+              </a:rPr>
+              <a:t>px[1]</a:t>
+            </a:r>
+            <a:endParaRPr lang="zh-CN" altLang="en-US" b="1" dirty="0">
+              <a:solidFill>
+                <a:schemeClr val="tx1"/>
+              </a:solidFill>
+            </a:endParaRPr>
+          </a:p>
+        </p:txBody>
+      </p:sp>
+      <p:sp>
+        <p:nvSpPr>
+          <p:cNvPr id="12" name="椭圆 11">
+            <a:extLst>
+              <a:ext uri="{FF2B5EF4-FFF2-40B4-BE49-F238E27FC236}">
+                <a16:creationId xmlns:a16="http://schemas.microsoft.com/office/drawing/2014/main" id="{B9CB83F4-2B01-4587-A48E-FD7D878C43B6}"/>
+              </a:ext>
+            </a:extLst>
+          </p:cNvPr>
+          <p:cNvSpPr/>
+          <p:nvPr/>
+        </p:nvSpPr>
+        <p:spPr>
+          <a:xfrm>
+            <a:off x="4320153" y="1571766"/>
+            <a:ext cx="604433" cy="604433"/>
+          </a:xfrm>
+          <a:prstGeom prst="ellipse">
+            <a:avLst/>
+          </a:prstGeom>
+          <a:noFill/>
+        </p:spPr>
+        <p:style>
+          <a:lnRef idx="2">
+            <a:schemeClr val="accent1">
+              <a:shade val="50000"/>
+            </a:schemeClr>
+          </a:lnRef>
+          <a:fillRef idx="1">
+            <a:schemeClr val="accent1"/>
+          </a:fillRef>
+          <a:effectRef idx="0">
+            <a:schemeClr val="accent1"/>
+          </a:effectRef>
+          <a:fontRef idx="minor">
+            <a:schemeClr val="lt1"/>
+          </a:fontRef>
+        </p:style>
+        <p:txBody>
+          <a:bodyPr rtlCol="0" anchor="ctr"/>
+          <a:lstStyle/>
+          <a:p>
+            <a:pPr algn="ctr"/>
+            <a:r>
+              <a:rPr lang="en-US" altLang="zh-CN" sz="2800" b="1" dirty="0">
+                <a:solidFill>
+                  <a:srgbClr val="FF0000"/>
+                </a:solidFill>
+              </a:rPr>
+              <a:t>v</a:t>
+            </a:r>
+            <a:endParaRPr lang="zh-CN" altLang="en-US" sz="2800" b="1" dirty="0">
+              <a:solidFill>
+                <a:srgbClr val="FF0000"/>
+              </a:solidFill>
+            </a:endParaRPr>
+          </a:p>
+        </p:txBody>
+      </p:sp>
+      <p:cxnSp>
+        <p:nvCxnSpPr>
+          <p:cNvPr id="13" name="直接箭头连接符 12">
+            <a:extLst>
+              <a:ext uri="{FF2B5EF4-FFF2-40B4-BE49-F238E27FC236}">
+                <a16:creationId xmlns:a16="http://schemas.microsoft.com/office/drawing/2014/main" id="{7F842DF5-9326-4564-A4EC-189830B58524}"/>
+              </a:ext>
+            </a:extLst>
+          </p:cNvPr>
+          <p:cNvCxnSpPr>
+            <a:cxnSpLocks/>
+            <a:stCxn id="12" idx="4"/>
+          </p:cNvCxnSpPr>
+          <p:nvPr/>
+        </p:nvCxnSpPr>
+        <p:spPr>
+          <a:xfrm>
+            <a:off x="4622370" y="2176199"/>
+            <a:ext cx="0" cy="690987"/>
+          </a:xfrm>
+          <a:prstGeom prst="straightConnector1">
+            <a:avLst/>
+          </a:prstGeom>
+          <a:ln w="57150">
+            <a:solidFill>
+              <a:srgbClr val="0070C0"/>
+            </a:solidFill>
+            <a:tailEnd type="triangle"/>
+          </a:ln>
+        </p:spPr>
+        <p:style>
+          <a:lnRef idx="1">
+            <a:schemeClr val="accent1"/>
+          </a:lnRef>
+          <a:fillRef idx="0">
+            <a:schemeClr val="accent1"/>
+          </a:fillRef>
+          <a:effectRef idx="0">
+            <a:schemeClr val="accent1"/>
+          </a:effectRef>
+          <a:fontRef idx="minor">
+            <a:schemeClr val="tx1"/>
+          </a:fontRef>
+        </p:style>
+      </p:cxnSp>
+      <p:sp>
+        <p:nvSpPr>
+          <p:cNvPr id="14" name="椭圆 13">
+            <a:extLst>
+              <a:ext uri="{FF2B5EF4-FFF2-40B4-BE49-F238E27FC236}">
+                <a16:creationId xmlns:a16="http://schemas.microsoft.com/office/drawing/2014/main" id="{5AAFDC56-E951-4E85-8432-3716F6CB8C35}"/>
+              </a:ext>
+            </a:extLst>
+          </p:cNvPr>
+          <p:cNvSpPr/>
+          <p:nvPr/>
+        </p:nvSpPr>
+        <p:spPr>
+          <a:xfrm>
+            <a:off x="4134172" y="2796130"/>
+            <a:ext cx="976393" cy="976393"/>
+          </a:xfrm>
+          <a:prstGeom prst="ellipse">
+            <a:avLst/>
+          </a:prstGeom>
+          <a:noFill/>
+        </p:spPr>
+        <p:style>
+          <a:lnRef idx="2">
+            <a:schemeClr val="accent1">
+              <a:shade val="50000"/>
+            </a:schemeClr>
+          </a:lnRef>
+          <a:fillRef idx="1">
+            <a:schemeClr val="accent1"/>
+          </a:fillRef>
+          <a:effectRef idx="0">
+            <a:schemeClr val="accent1"/>
+          </a:effectRef>
+          <a:fontRef idx="minor">
+            <a:schemeClr val="lt1"/>
+          </a:fontRef>
+        </p:style>
+        <p:txBody>
+          <a:bodyPr rtlCol="0" anchor="ctr"/>
+          <a:lstStyle/>
+          <a:p>
+            <a:pPr algn="ctr"/>
+            <a:r>
+              <a:rPr lang="en-US" altLang="zh-CN" b="1" dirty="0">
+                <a:solidFill>
+                  <a:schemeClr val="tx1"/>
+                </a:solidFill>
+              </a:rPr>
+              <a:t>px[2]</a:t>
+            </a:r>
+            <a:endParaRPr lang="zh-CN" altLang="en-US" b="1" dirty="0">
+              <a:solidFill>
+                <a:schemeClr val="tx1"/>
+              </a:solidFill>
+            </a:endParaRPr>
+          </a:p>
+        </p:txBody>
+      </p:sp>
+      <p:sp>
+        <p:nvSpPr>
+          <p:cNvPr id="15" name="椭圆 14">
+            <a:extLst>
+              <a:ext uri="{FF2B5EF4-FFF2-40B4-BE49-F238E27FC236}">
+                <a16:creationId xmlns:a16="http://schemas.microsoft.com/office/drawing/2014/main" id="{A6E6E5E9-D19E-4DDA-BB43-C1C8F3E19530}"/>
+              </a:ext>
+            </a:extLst>
+          </p:cNvPr>
+          <p:cNvSpPr/>
+          <p:nvPr/>
+        </p:nvSpPr>
+        <p:spPr>
+          <a:xfrm>
+            <a:off x="6453108" y="1571766"/>
+            <a:ext cx="604433" cy="604433"/>
+          </a:xfrm>
+          <a:prstGeom prst="ellipse">
+            <a:avLst/>
+          </a:prstGeom>
+          <a:noFill/>
+        </p:spPr>
+        <p:style>
+          <a:lnRef idx="2">
+            <a:schemeClr val="accent1">
+              <a:shade val="50000"/>
+            </a:schemeClr>
+          </a:lnRef>
+          <a:fillRef idx="1">
+            <a:schemeClr val="accent1"/>
+          </a:fillRef>
+          <a:effectRef idx="0">
+            <a:schemeClr val="accent1"/>
+          </a:effectRef>
+          <a:fontRef idx="minor">
+            <a:schemeClr val="lt1"/>
+          </a:fontRef>
+        </p:style>
+        <p:txBody>
+          <a:bodyPr rtlCol="0" anchor="ctr"/>
+          <a:lstStyle/>
+          <a:p>
+            <a:pPr algn="ctr"/>
+            <a:r>
+              <a:rPr lang="en-US" altLang="zh-CN" sz="2800" b="1" dirty="0">
+                <a:solidFill>
+                  <a:srgbClr val="FF0000"/>
+                </a:solidFill>
+              </a:rPr>
+              <a:t>v</a:t>
+            </a:r>
+            <a:endParaRPr lang="zh-CN" altLang="en-US" sz="2800" b="1" dirty="0">
+              <a:solidFill>
+                <a:srgbClr val="FF0000"/>
+              </a:solidFill>
+            </a:endParaRPr>
+          </a:p>
+        </p:txBody>
+      </p:sp>
+      <p:cxnSp>
+        <p:nvCxnSpPr>
+          <p:cNvPr id="16" name="直接箭头连接符 15">
+            <a:extLst>
+              <a:ext uri="{FF2B5EF4-FFF2-40B4-BE49-F238E27FC236}">
+                <a16:creationId xmlns:a16="http://schemas.microsoft.com/office/drawing/2014/main" id="{79CB1E7C-93DD-4C14-BA65-5314BDE26F1B}"/>
+              </a:ext>
+            </a:extLst>
+          </p:cNvPr>
+          <p:cNvCxnSpPr>
+            <a:cxnSpLocks/>
+            <a:stCxn id="15" idx="4"/>
+          </p:cNvCxnSpPr>
+          <p:nvPr/>
+        </p:nvCxnSpPr>
+        <p:spPr>
+          <a:xfrm>
+            <a:off x="6755325" y="2176199"/>
+            <a:ext cx="0" cy="690987"/>
+          </a:xfrm>
+          <a:prstGeom prst="straightConnector1">
+            <a:avLst/>
+          </a:prstGeom>
+          <a:ln w="57150">
+            <a:solidFill>
+              <a:srgbClr val="0070C0"/>
+            </a:solidFill>
+            <a:tailEnd type="triangle"/>
+          </a:ln>
+        </p:spPr>
+        <p:style>
+          <a:lnRef idx="1">
+            <a:schemeClr val="accent1"/>
+          </a:lnRef>
+          <a:fillRef idx="0">
+            <a:schemeClr val="accent1"/>
+          </a:fillRef>
+          <a:effectRef idx="0">
+            <a:schemeClr val="accent1"/>
+          </a:effectRef>
+          <a:fontRef idx="minor">
+            <a:schemeClr val="tx1"/>
+          </a:fontRef>
+        </p:style>
+      </p:cxnSp>
+      <p:sp>
+        <p:nvSpPr>
+          <p:cNvPr id="17" name="椭圆 16">
+            <a:extLst>
+              <a:ext uri="{FF2B5EF4-FFF2-40B4-BE49-F238E27FC236}">
+                <a16:creationId xmlns:a16="http://schemas.microsoft.com/office/drawing/2014/main" id="{C5619481-7EB4-4F9C-800A-075A5E5F0F82}"/>
+              </a:ext>
+            </a:extLst>
+          </p:cNvPr>
+          <p:cNvSpPr/>
+          <p:nvPr/>
+        </p:nvSpPr>
+        <p:spPr>
+          <a:xfrm>
+            <a:off x="6267127" y="2796130"/>
+            <a:ext cx="976393" cy="976393"/>
+          </a:xfrm>
+          <a:prstGeom prst="ellipse">
+            <a:avLst/>
+          </a:prstGeom>
+          <a:noFill/>
+        </p:spPr>
+        <p:style>
+          <a:lnRef idx="2">
+            <a:schemeClr val="accent1">
+              <a:shade val="50000"/>
+            </a:schemeClr>
+          </a:lnRef>
+          <a:fillRef idx="1">
+            <a:schemeClr val="accent1"/>
+          </a:fillRef>
+          <a:effectRef idx="0">
+            <a:schemeClr val="accent1"/>
+          </a:effectRef>
+          <a:fontRef idx="minor">
+            <a:schemeClr val="lt1"/>
+          </a:fontRef>
+        </p:style>
+        <p:txBody>
+          <a:bodyPr rtlCol="0" anchor="ctr"/>
+          <a:lstStyle/>
+          <a:p>
+            <a:pPr algn="ctr"/>
+            <a:r>
+              <a:rPr lang="en-US" altLang="zh-CN" b="1" dirty="0">
+                <a:solidFill>
+                  <a:schemeClr val="tx1"/>
+                </a:solidFill>
+              </a:rPr>
+              <a:t>px[k]</a:t>
+            </a:r>
+            <a:endParaRPr lang="zh-CN" altLang="en-US" b="1" dirty="0">
+              <a:solidFill>
+                <a:schemeClr val="tx1"/>
+              </a:solidFill>
+            </a:endParaRPr>
+          </a:p>
+        </p:txBody>
+      </p:sp>
+    </p:spTree>
+    <p:extLst>
+      <p:ext uri="{BB962C8B-B14F-4D97-AF65-F5344CB8AC3E}">
+        <p14:creationId xmlns:p14="http://schemas.microsoft.com/office/powerpoint/2010/main" val="2537680512"/>
+      </p:ext>
+    </p:extLst>
+  </p:cSld>
+  <p:clrMapOvr>
+    <a:masterClrMapping/>
+  </p:clrMapOvr>
+</p:sld>
+</file>
+
+<file path=ppt/slides/slide3.xml><?xml version="1.0" encoding="utf-8"?>
+<p:sld xmlns:a="http://schemas.openxmlformats.org/drawingml/2006/main" xmlns:r="http://schemas.openxmlformats.org/officeDocument/2006/relationships" xmlns:p="http://schemas.openxmlformats.org/presentationml/2006/main">
+  <p:cSld>
+    <p:spTree>
+      <p:nvGrpSpPr>
+        <p:cNvPr id="1" name=""/>
+        <p:cNvGrpSpPr/>
+        <p:nvPr/>
+      </p:nvGrpSpPr>
+      <p:grpSpPr>
+        <a:xfrm>
+          <a:off x="0" y="0"/>
+          <a:ext cx="0" cy="0"/>
+          <a:chOff x="0" y="0"/>
+          <a:chExt cx="0" cy="0"/>
+        </a:xfrm>
+      </p:grpSpPr>
+      <p:pic>
+        <p:nvPicPr>
+          <p:cNvPr id="5" name="图片 4">
+            <a:extLst>
+              <a:ext uri="{FF2B5EF4-FFF2-40B4-BE49-F238E27FC236}">
+                <a16:creationId xmlns:a16="http://schemas.microsoft.com/office/drawing/2014/main" id="{9563F162-C4D6-4F31-80DB-5F24260557E5}"/>
+              </a:ext>
+            </a:extLst>
+          </p:cNvPr>
+          <p:cNvPicPr>
+            <a:picLocks noChangeAspect="1"/>
+          </p:cNvPicPr>
+          <p:nvPr/>
+        </p:nvPicPr>
+        <p:blipFill>
+          <a:blip r:embed="rId2"/>
+          <a:stretch>
+            <a:fillRect/>
+          </a:stretch>
+        </p:blipFill>
+        <p:spPr>
+          <a:xfrm>
+            <a:off x="6240002" y="1470691"/>
+            <a:ext cx="3560989" cy="3332148"/>
+          </a:xfrm>
+          <a:prstGeom prst="rect">
+            <a:avLst/>
+          </a:prstGeom>
+        </p:spPr>
+      </p:pic>
+      <p:grpSp>
+        <p:nvGrpSpPr>
+          <p:cNvPr id="13" name="组合 12">
+            <a:extLst>
+              <a:ext uri="{FF2B5EF4-FFF2-40B4-BE49-F238E27FC236}">
+                <a16:creationId xmlns:a16="http://schemas.microsoft.com/office/drawing/2014/main" id="{8276FFC2-D01C-4173-B998-EC03A0CB086D}"/>
+              </a:ext>
+            </a:extLst>
+          </p:cNvPr>
+          <p:cNvGrpSpPr/>
+          <p:nvPr/>
+        </p:nvGrpSpPr>
+        <p:grpSpPr>
+          <a:xfrm>
+            <a:off x="1430869" y="1470691"/>
+            <a:ext cx="3560989" cy="3332148"/>
+            <a:chOff x="5706778" y="1445094"/>
+            <a:chExt cx="3560989" cy="3332148"/>
+          </a:xfrm>
+        </p:grpSpPr>
+        <p:pic>
+          <p:nvPicPr>
+            <p:cNvPr id="6" name="图片 5">
+              <a:extLst>
+                <a:ext uri="{FF2B5EF4-FFF2-40B4-BE49-F238E27FC236}">
+                  <a16:creationId xmlns:a16="http://schemas.microsoft.com/office/drawing/2014/main" id="{5D2BA1EE-B371-4BD6-A118-2730C8934C64}"/>
+                </a:ext>
+              </a:extLst>
+            </p:cNvPr>
+            <p:cNvPicPr>
+              <a:picLocks noChangeAspect="1"/>
+            </p:cNvPicPr>
+            <p:nvPr/>
+          </p:nvPicPr>
+          <p:blipFill>
+            <a:blip r:embed="rId2"/>
+            <a:stretch>
+              <a:fillRect/>
+            </a:stretch>
+          </p:blipFill>
+          <p:spPr>
+            <a:xfrm>
+              <a:off x="5706778" y="1445094"/>
+              <a:ext cx="3560989" cy="3332148"/>
+            </a:xfrm>
+            <a:prstGeom prst="rect">
+              <a:avLst/>
+            </a:prstGeom>
+          </p:spPr>
+        </p:pic>
+        <p:pic>
+          <p:nvPicPr>
+            <p:cNvPr id="8" name="图片 7">
+              <a:extLst>
+                <a:ext uri="{FF2B5EF4-FFF2-40B4-BE49-F238E27FC236}">
+                  <a16:creationId xmlns:a16="http://schemas.microsoft.com/office/drawing/2014/main" id="{BCDFDF7B-59F1-479A-8AE2-BB21048F86FE}"/>
+                </a:ext>
+              </a:extLst>
+            </p:cNvPr>
+            <p:cNvPicPr>
+              <a:picLocks noChangeAspect="1"/>
+            </p:cNvPicPr>
+            <p:nvPr/>
+          </p:nvPicPr>
+          <p:blipFill rotWithShape="1">
+            <a:blip r:embed="rId3"/>
+            <a:srcRect t="72256" r="52770"/>
+            <a:stretch/>
+          </p:blipFill>
+          <p:spPr>
+            <a:xfrm>
+              <a:off x="8203067" y="3570514"/>
+              <a:ext cx="148454" cy="100420"/>
+            </a:xfrm>
+            <a:prstGeom prst="rect">
+              <a:avLst/>
+            </a:prstGeom>
+          </p:spPr>
+        </p:pic>
+        <p:pic>
+          <p:nvPicPr>
+            <p:cNvPr id="10" name="图片 9">
+              <a:extLst>
+                <a:ext uri="{FF2B5EF4-FFF2-40B4-BE49-F238E27FC236}">
+                  <a16:creationId xmlns:a16="http://schemas.microsoft.com/office/drawing/2014/main" id="{2788A3CE-D37F-42D0-BCC3-A0246937BD27}"/>
+                </a:ext>
+              </a:extLst>
+            </p:cNvPr>
+            <p:cNvPicPr>
+              <a:picLocks noChangeAspect="1"/>
+            </p:cNvPicPr>
+            <p:nvPr/>
+          </p:nvPicPr>
+          <p:blipFill>
+            <a:blip r:embed="rId4"/>
+            <a:stretch>
+              <a:fillRect/>
+            </a:stretch>
+          </p:blipFill>
+          <p:spPr>
+            <a:xfrm>
+              <a:off x="8268585" y="3380014"/>
+              <a:ext cx="314325" cy="381000"/>
+            </a:xfrm>
+            <a:prstGeom prst="rect">
+              <a:avLst/>
+            </a:prstGeom>
+          </p:spPr>
+        </p:pic>
+        <p:pic>
+          <p:nvPicPr>
+            <p:cNvPr id="12" name="图片 11">
+              <a:extLst>
+                <a:ext uri="{FF2B5EF4-FFF2-40B4-BE49-F238E27FC236}">
+                  <a16:creationId xmlns:a16="http://schemas.microsoft.com/office/drawing/2014/main" id="{4FCAD11B-59AD-4E23-872D-2E273A8F8FB4}"/>
+                </a:ext>
+              </a:extLst>
+            </p:cNvPr>
+            <p:cNvPicPr>
+              <a:picLocks noChangeAspect="1"/>
+            </p:cNvPicPr>
+            <p:nvPr/>
+          </p:nvPicPr>
+          <p:blipFill>
+            <a:blip r:embed="rId5"/>
+            <a:stretch>
+              <a:fillRect/>
+            </a:stretch>
+          </p:blipFill>
+          <p:spPr>
+            <a:xfrm>
+              <a:off x="8227976" y="3649028"/>
+              <a:ext cx="38100" cy="47625"/>
+            </a:xfrm>
+            <a:prstGeom prst="rect">
+              <a:avLst/>
+            </a:prstGeom>
+          </p:spPr>
+        </p:pic>
+      </p:grpSp>
+      <p:cxnSp>
+        <p:nvCxnSpPr>
+          <p:cNvPr id="15" name="直接箭头连接符 14">
+            <a:extLst>
+              <a:ext uri="{FF2B5EF4-FFF2-40B4-BE49-F238E27FC236}">
+                <a16:creationId xmlns:a16="http://schemas.microsoft.com/office/drawing/2014/main" id="{FBFC466E-7EA8-4F26-A7CC-23E430C65AB8}"/>
+              </a:ext>
+            </a:extLst>
+          </p:cNvPr>
+          <p:cNvCxnSpPr>
+            <a:cxnSpLocks/>
+            <a:stCxn id="6" idx="3"/>
+          </p:cNvCxnSpPr>
+          <p:nvPr/>
+        </p:nvCxnSpPr>
+        <p:spPr>
+          <a:xfrm>
+            <a:off x="4991858" y="3136765"/>
+            <a:ext cx="1408942" cy="0"/>
+          </a:xfrm>
+          <a:prstGeom prst="straightConnector1">
+            <a:avLst/>
+          </a:prstGeom>
+          <a:ln w="57150">
+            <a:tailEnd type="triangle"/>
+          </a:ln>
+        </p:spPr>
+        <p:style>
+          <a:lnRef idx="1">
+            <a:schemeClr val="accent1"/>
+          </a:lnRef>
+          <a:fillRef idx="0">
+            <a:schemeClr val="accent1"/>
+          </a:fillRef>
+          <a:effectRef idx="0">
+            <a:schemeClr val="accent1"/>
+          </a:effectRef>
+          <a:fontRef idx="minor">
+            <a:schemeClr val="tx1"/>
+          </a:fontRef>
+        </p:style>
+      </p:cxnSp>
+      <p:sp>
+        <p:nvSpPr>
+          <p:cNvPr id="16" name="文本框 15">
+            <a:extLst>
+              <a:ext uri="{FF2B5EF4-FFF2-40B4-BE49-F238E27FC236}">
+                <a16:creationId xmlns:a16="http://schemas.microsoft.com/office/drawing/2014/main" id="{48A7A243-25BB-4A9C-8901-0DCB1DD52CFB}"/>
+              </a:ext>
+            </a:extLst>
+          </p:cNvPr>
+          <p:cNvSpPr txBox="1"/>
+          <p:nvPr/>
+        </p:nvSpPr>
+        <p:spPr>
+          <a:xfrm>
+            <a:off x="5091931" y="2767433"/>
+            <a:ext cx="1148071" cy="369332"/>
+          </a:xfrm>
+          <a:prstGeom prst="rect">
+            <a:avLst/>
+          </a:prstGeom>
+          <a:noFill/>
+        </p:spPr>
+        <p:txBody>
+          <a:bodyPr wrap="none" rtlCol="0">
+            <a:spAutoFit/>
+          </a:bodyPr>
+          <a:lstStyle/>
+          <a:p>
+            <a:r>
+              <a:rPr lang="en-US" altLang="zh-CN" dirty="0"/>
+              <a:t>Add error</a:t>
+            </a:r>
+            <a:endParaRPr lang="zh-CN" altLang="en-US" dirty="0"/>
+          </a:p>
+        </p:txBody>
+      </p:sp>
+      <p:sp>
+        <p:nvSpPr>
+          <p:cNvPr id="19" name="椭圆 18">
+            <a:extLst>
+              <a:ext uri="{FF2B5EF4-FFF2-40B4-BE49-F238E27FC236}">
+                <a16:creationId xmlns:a16="http://schemas.microsoft.com/office/drawing/2014/main" id="{55120E40-5375-4DAE-97FF-D423F1F0AAFC}"/>
+              </a:ext>
+            </a:extLst>
+          </p:cNvPr>
+          <p:cNvSpPr/>
+          <p:nvPr/>
+        </p:nvSpPr>
+        <p:spPr>
+          <a:xfrm>
+            <a:off x="3896890" y="3484125"/>
+            <a:ext cx="148454" cy="381000"/>
+          </a:xfrm>
+          <a:prstGeom prst="ellipse">
+            <a:avLst/>
+          </a:prstGeom>
+          <a:noFill/>
+          <a:ln w="38100">
+            <a:solidFill>
+              <a:srgbClr val="FF0000"/>
+            </a:solidFill>
+          </a:ln>
+        </p:spPr>
+        <p:style>
+          <a:lnRef idx="2">
+            <a:schemeClr val="accent1">
+              <a:shade val="50000"/>
+            </a:schemeClr>
+          </a:lnRef>
+          <a:fillRef idx="1">
+            <a:schemeClr val="accent1"/>
+          </a:fillRef>
+          <a:effectRef idx="0">
+            <a:schemeClr val="accent1"/>
+          </a:effectRef>
+          <a:fontRef idx="minor">
+            <a:schemeClr val="lt1"/>
+          </a:fontRef>
+        </p:style>
+        <p:txBody>
+          <a:bodyPr rtlCol="0" anchor="ctr"/>
+          <a:lstStyle/>
+          <a:p>
+            <a:pPr algn="ctr"/>
+            <a:endParaRPr lang="zh-CN" altLang="en-US"/>
+          </a:p>
+        </p:txBody>
+      </p:sp>
+      <p:sp>
+        <p:nvSpPr>
+          <p:cNvPr id="20" name="椭圆 19">
+            <a:extLst>
+              <a:ext uri="{FF2B5EF4-FFF2-40B4-BE49-F238E27FC236}">
+                <a16:creationId xmlns:a16="http://schemas.microsoft.com/office/drawing/2014/main" id="{4DB4BAA4-5D50-4F57-BA49-BEE8BF0A0AB5}"/>
+              </a:ext>
+            </a:extLst>
+          </p:cNvPr>
+          <p:cNvSpPr/>
+          <p:nvPr/>
+        </p:nvSpPr>
+        <p:spPr>
+          <a:xfrm>
+            <a:off x="8799816" y="3341250"/>
+            <a:ext cx="148454" cy="381000"/>
+          </a:xfrm>
+          <a:prstGeom prst="ellipse">
+            <a:avLst/>
+          </a:prstGeom>
+          <a:noFill/>
+          <a:ln w="38100">
+            <a:solidFill>
+              <a:srgbClr val="FF0000"/>
+            </a:solidFill>
+          </a:ln>
+        </p:spPr>
+        <p:style>
+          <a:lnRef idx="2">
+            <a:schemeClr val="accent1">
+              <a:shade val="50000"/>
+            </a:schemeClr>
+          </a:lnRef>
+          <a:fillRef idx="1">
+            <a:schemeClr val="accent1"/>
+          </a:fillRef>
+          <a:effectRef idx="0">
+            <a:schemeClr val="accent1"/>
+          </a:effectRef>
+          <a:fontRef idx="minor">
+            <a:schemeClr val="lt1"/>
+          </a:fontRef>
+        </p:style>
+        <p:txBody>
+          <a:bodyPr rtlCol="0" anchor="ctr"/>
+          <a:lstStyle/>
+          <a:p>
+            <a:pPr algn="ctr"/>
+            <a:endParaRPr lang="zh-CN" altLang="en-US"/>
+          </a:p>
+        </p:txBody>
+      </p:sp>
+    </p:spTree>
+    <p:extLst>
+      <p:ext uri="{BB962C8B-B14F-4D97-AF65-F5344CB8AC3E}">
+        <p14:creationId xmlns:p14="http://schemas.microsoft.com/office/powerpoint/2010/main" val="2726800613"/>
+      </p:ext>
+    </p:extLst>
+  </p:cSld>
+  <p:clrMapOvr>
+    <a:masterClrMapping/>
+  </p:clrMapOvr>
+</p:sld>
+</file>
+
+<file path=ppt/slides/slide4.xml><?xml version="1.0" encoding="utf-8"?>
+<p:sld xmlns:a="http://schemas.openxmlformats.org/drawingml/2006/main" xmlns:r="http://schemas.openxmlformats.org/officeDocument/2006/relationships" xmlns:p="http://schemas.openxmlformats.org/presentationml/2006/main">
+  <p:cSld>
+    <p:spTree>
+      <p:nvGrpSpPr>
+        <p:cNvPr id="1" name=""/>
+        <p:cNvGrpSpPr/>
+        <p:nvPr/>
+      </p:nvGrpSpPr>
+      <p:grpSpPr>
+        <a:xfrm>
+          <a:off x="0" y="0"/>
+          <a:ext cx="0" cy="0"/>
+          <a:chOff x="0" y="0"/>
+          <a:chExt cx="0" cy="0"/>
+        </a:xfrm>
+      </p:grpSpPr>
+      <p:pic>
+        <p:nvPicPr>
+          <p:cNvPr id="14" name="图片 13">
+            <a:extLst>
+              <a:ext uri="{FF2B5EF4-FFF2-40B4-BE49-F238E27FC236}">
+                <a16:creationId xmlns:a16="http://schemas.microsoft.com/office/drawing/2014/main" id="{F0B5C96C-958E-4050-9267-C13A75B48D38}"/>
+              </a:ext>
+            </a:extLst>
+          </p:cNvPr>
+          <p:cNvPicPr>
+            <a:picLocks noChangeAspect="1"/>
+          </p:cNvPicPr>
+          <p:nvPr/>
+        </p:nvPicPr>
+        <p:blipFill>
+          <a:blip r:embed="rId2"/>
+          <a:stretch>
+            <a:fillRect/>
+          </a:stretch>
+        </p:blipFill>
+        <p:spPr>
+          <a:xfrm>
+            <a:off x="2641232" y="199030"/>
+            <a:ext cx="6909535" cy="6459940"/>
+          </a:xfrm>
+          <a:prstGeom prst="rect">
+            <a:avLst/>
+          </a:prstGeom>
+        </p:spPr>
+      </p:pic>
+      <p:sp>
+        <p:nvSpPr>
+          <p:cNvPr id="15" name="椭圆 14">
+            <a:extLst>
+              <a:ext uri="{FF2B5EF4-FFF2-40B4-BE49-F238E27FC236}">
+                <a16:creationId xmlns:a16="http://schemas.microsoft.com/office/drawing/2014/main" id="{23360346-E05A-4FDF-B861-7195FF52D954}"/>
+              </a:ext>
+            </a:extLst>
+          </p:cNvPr>
+          <p:cNvSpPr/>
+          <p:nvPr/>
+        </p:nvSpPr>
+        <p:spPr>
+          <a:xfrm>
+            <a:off x="6853646" y="3048000"/>
+            <a:ext cx="302623" cy="302623"/>
+          </a:xfrm>
+          <a:prstGeom prst="ellipse">
+            <a:avLst/>
+          </a:prstGeom>
+          <a:solidFill>
+            <a:srgbClr val="00B050"/>
+          </a:solidFill>
+          <a:ln>
+            <a:noFill/>
+          </a:ln>
+        </p:spPr>
+        <p:style>
+          <a:lnRef idx="2">
+            <a:schemeClr val="accent1">
+              <a:shade val="50000"/>
+            </a:schemeClr>
+          </a:lnRef>
+          <a:fillRef idx="1">
+            <a:schemeClr val="accent1"/>
+          </a:fillRef>
+          <a:effectRef idx="0">
+            <a:schemeClr val="accent1"/>
+          </a:effectRef>
+          <a:fontRef idx="minor">
+            <a:schemeClr val="lt1"/>
+          </a:fontRef>
+        </p:style>
+        <p:txBody>
+          <a:bodyPr rtlCol="0" anchor="ctr"/>
+          <a:lstStyle/>
+          <a:p>
+            <a:pPr algn="ctr"/>
+            <a:endParaRPr lang="zh-CN" altLang="en-US"/>
+          </a:p>
+        </p:txBody>
+      </p:sp>
+      <p:cxnSp>
+        <p:nvCxnSpPr>
+          <p:cNvPr id="17" name="直接箭头连接符 16">
+            <a:extLst>
+              <a:ext uri="{FF2B5EF4-FFF2-40B4-BE49-F238E27FC236}">
+                <a16:creationId xmlns:a16="http://schemas.microsoft.com/office/drawing/2014/main" id="{EF17B71E-3C40-4F38-B393-9952A3B41F24}"/>
+              </a:ext>
+            </a:extLst>
+          </p:cNvPr>
+          <p:cNvCxnSpPr>
+            <a:cxnSpLocks/>
+          </p:cNvCxnSpPr>
+          <p:nvPr/>
+        </p:nvCxnSpPr>
+        <p:spPr>
+          <a:xfrm flipV="1">
+            <a:off x="7004957" y="2229394"/>
+            <a:ext cx="969917" cy="969918"/>
+          </a:xfrm>
+          <a:prstGeom prst="straightConnector1">
+            <a:avLst/>
+          </a:prstGeom>
+          <a:ln w="38100">
+            <a:solidFill>
+              <a:srgbClr val="FF0000"/>
+            </a:solidFill>
+            <a:tailEnd type="triangle"/>
+          </a:ln>
+        </p:spPr>
+        <p:style>
+          <a:lnRef idx="1">
+            <a:schemeClr val="accent1"/>
+          </a:lnRef>
+          <a:fillRef idx="0">
+            <a:schemeClr val="accent1"/>
+          </a:fillRef>
+          <a:effectRef idx="0">
+            <a:schemeClr val="accent1"/>
+          </a:effectRef>
+          <a:fontRef idx="minor">
+            <a:schemeClr val="tx1"/>
+          </a:fontRef>
+        </p:style>
+      </p:cxnSp>
+      <mc:AlternateContent xmlns:mc="http://schemas.openxmlformats.org/markup-compatibility/2006">
+        <mc:Choice xmlns:a14="http://schemas.microsoft.com/office/drawing/2010/main" Requires="a14">
+          <p:sp>
+            <p:nvSpPr>
+              <p:cNvPr id="20" name="文本框 19">
+                <a:extLst>
+                  <a:ext uri="{FF2B5EF4-FFF2-40B4-BE49-F238E27FC236}">
+                    <a16:creationId xmlns:a16="http://schemas.microsoft.com/office/drawing/2014/main" id="{173D5632-5638-46AA-A335-F227A3D0A97F}"/>
+                  </a:ext>
+                </a:extLst>
+              </p:cNvPr>
+              <p:cNvSpPr txBox="1"/>
+              <p:nvPr/>
+            </p:nvSpPr>
+            <p:spPr>
+              <a:xfrm>
+                <a:off x="7964281" y="2013950"/>
+                <a:ext cx="323807" cy="430887"/>
+              </a:xfrm>
+              <a:prstGeom prst="rect">
+                <a:avLst/>
+              </a:prstGeom>
+              <a:noFill/>
+            </p:spPr>
+            <p:txBody>
+              <a:bodyPr wrap="none" lIns="0" tIns="0" rIns="0" bIns="0" rtlCol="0">
+                <a:spAutoFit/>
+              </a:bodyPr>
+              <a:lstStyle/>
+              <a:p>
+                <a14:m>
+                  <m:oMathPara xmlns:m="http://schemas.openxmlformats.org/officeDocument/2006/math">
+                    <m:oMathParaPr>
+                      <m:jc m:val="centerGroup"/>
+                    </m:oMathParaPr>
+                    <m:oMath xmlns:m="http://schemas.openxmlformats.org/officeDocument/2006/math">
+                      <m:r>
+                        <a:rPr lang="en-US" altLang="zh-CN" sz="2800" b="1" i="1" smtClean="0">
+                          <a:latin typeface="Cambria Math" panose="02040503050406030204" pitchFamily="18" charset="0"/>
+                        </a:rPr>
+                        <m:t>𝜽</m:t>
+                      </m:r>
+                    </m:oMath>
+                  </m:oMathPara>
+                </a14:m>
+                <a:endParaRPr lang="zh-CN" altLang="en-US" sz="2800" b="1" dirty="0"/>
+              </a:p>
+            </p:txBody>
+          </p:sp>
+        </mc:Choice>
+        <mc:Fallback>
+          <p:sp>
+            <p:nvSpPr>
+              <p:cNvPr id="20" name="文本框 19">
+                <a:extLst>
+                  <a:ext uri="{FF2B5EF4-FFF2-40B4-BE49-F238E27FC236}">
+                    <a16:creationId xmlns:a16="http://schemas.microsoft.com/office/drawing/2014/main" id="{173D5632-5638-46AA-A335-F227A3D0A97F}"/>
+                  </a:ext>
+                </a:extLst>
+              </p:cNvPr>
+              <p:cNvSpPr txBox="1">
+                <a:spLocks noRot="1" noChangeAspect="1" noMove="1" noResize="1" noEditPoints="1" noAdjustHandles="1" noChangeArrowheads="1" noChangeShapeType="1" noTextEdit="1"/>
+              </p:cNvSpPr>
+              <p:nvPr/>
+            </p:nvSpPr>
+            <p:spPr>
+              <a:xfrm>
+                <a:off x="7964281" y="2013950"/>
+                <a:ext cx="323807" cy="430887"/>
+              </a:xfrm>
+              <a:prstGeom prst="rect">
+                <a:avLst/>
+              </a:prstGeom>
+              <a:blipFill>
+                <a:blip r:embed="rId3"/>
+                <a:stretch>
+                  <a:fillRect/>
+                </a:stretch>
+              </a:blipFill>
+            </p:spPr>
+            <p:txBody>
+              <a:bodyPr/>
+              <a:lstStyle/>
+              <a:p>
+                <a:r>
+                  <a:rPr lang="zh-CN" altLang="en-US">
+                    <a:noFill/>
+                  </a:rPr>
+                  <a:t> </a:t>
+                </a:r>
+              </a:p>
+            </p:txBody>
+          </p:sp>
+        </mc:Fallback>
+      </mc:AlternateContent>
+      <p:cxnSp>
+        <p:nvCxnSpPr>
+          <p:cNvPr id="24" name="直接连接符 23">
+            <a:extLst>
+              <a:ext uri="{FF2B5EF4-FFF2-40B4-BE49-F238E27FC236}">
+                <a16:creationId xmlns:a16="http://schemas.microsoft.com/office/drawing/2014/main" id="{AC8251E8-8E2C-49EF-86B0-243D7FDA3A1D}"/>
+              </a:ext>
+            </a:extLst>
+          </p:cNvPr>
+          <p:cNvCxnSpPr/>
+          <p:nvPr/>
+        </p:nvCxnSpPr>
+        <p:spPr>
+          <a:xfrm>
+            <a:off x="7004957" y="3199311"/>
+            <a:ext cx="1451066" cy="0"/>
+          </a:xfrm>
+          <a:prstGeom prst="line">
+            <a:avLst/>
+          </a:prstGeom>
+          <a:ln w="38100">
+            <a:solidFill>
+              <a:srgbClr val="FFC000"/>
+            </a:solidFill>
+          </a:ln>
+        </p:spPr>
+        <p:style>
+          <a:lnRef idx="1">
+            <a:schemeClr val="accent1"/>
+          </a:lnRef>
+          <a:fillRef idx="0">
+            <a:schemeClr val="accent1"/>
+          </a:fillRef>
+          <a:effectRef idx="0">
+            <a:schemeClr val="accent1"/>
+          </a:effectRef>
+          <a:fontRef idx="minor">
+            <a:schemeClr val="tx1"/>
+          </a:fontRef>
+        </p:style>
+      </p:cxnSp>
+      <p:cxnSp>
+        <p:nvCxnSpPr>
+          <p:cNvPr id="25" name="直接连接符 24">
+            <a:extLst>
+              <a:ext uri="{FF2B5EF4-FFF2-40B4-BE49-F238E27FC236}">
+                <a16:creationId xmlns:a16="http://schemas.microsoft.com/office/drawing/2014/main" id="{C42993A5-D859-455F-A5FD-5DDC0B0CE13F}"/>
+              </a:ext>
+            </a:extLst>
+          </p:cNvPr>
+          <p:cNvCxnSpPr>
+            <a:cxnSpLocks/>
+          </p:cNvCxnSpPr>
+          <p:nvPr/>
+        </p:nvCxnSpPr>
+        <p:spPr>
+          <a:xfrm>
+            <a:off x="7029720" y="3191868"/>
+            <a:ext cx="1451066" cy="1445712"/>
+          </a:xfrm>
+          <a:prstGeom prst="line">
+            <a:avLst/>
+          </a:prstGeom>
+          <a:ln w="38100">
+            <a:solidFill>
+              <a:srgbClr val="FFC000"/>
+            </a:solidFill>
+          </a:ln>
+        </p:spPr>
+        <p:style>
+          <a:lnRef idx="1">
+            <a:schemeClr val="accent1"/>
+          </a:lnRef>
+          <a:fillRef idx="0">
+            <a:schemeClr val="accent1"/>
+          </a:fillRef>
+          <a:effectRef idx="0">
+            <a:schemeClr val="accent1"/>
+          </a:effectRef>
+          <a:fontRef idx="minor">
+            <a:schemeClr val="tx1"/>
+          </a:fontRef>
+        </p:style>
+      </p:cxnSp>
+      <p:cxnSp>
+        <p:nvCxnSpPr>
+          <p:cNvPr id="28" name="直接连接符 27">
+            <a:extLst>
+              <a:ext uri="{FF2B5EF4-FFF2-40B4-BE49-F238E27FC236}">
+                <a16:creationId xmlns:a16="http://schemas.microsoft.com/office/drawing/2014/main" id="{11D2C35F-7BE7-4604-B2BE-4B1275F68FA5}"/>
+              </a:ext>
+            </a:extLst>
+          </p:cNvPr>
+          <p:cNvCxnSpPr>
+            <a:cxnSpLocks/>
+          </p:cNvCxnSpPr>
+          <p:nvPr/>
+        </p:nvCxnSpPr>
+        <p:spPr>
+          <a:xfrm>
+            <a:off x="6559729" y="2733678"/>
+            <a:ext cx="468628" cy="466899"/>
+          </a:xfrm>
+          <a:prstGeom prst="line">
+            <a:avLst/>
+          </a:prstGeom>
+          <a:ln w="38100">
+            <a:solidFill>
+              <a:srgbClr val="FFC000"/>
+            </a:solidFill>
+          </a:ln>
+        </p:spPr>
+        <p:style>
+          <a:lnRef idx="1">
+            <a:schemeClr val="accent1"/>
+          </a:lnRef>
+          <a:fillRef idx="0">
+            <a:schemeClr val="accent1"/>
+          </a:fillRef>
+          <a:effectRef idx="0">
+            <a:schemeClr val="accent1"/>
+          </a:effectRef>
+          <a:fontRef idx="minor">
+            <a:schemeClr val="tx1"/>
+          </a:fontRef>
+        </p:style>
+      </p:cxnSp>
+      <p:cxnSp>
+        <p:nvCxnSpPr>
+          <p:cNvPr id="30" name="直接连接符 29">
+            <a:extLst>
+              <a:ext uri="{FF2B5EF4-FFF2-40B4-BE49-F238E27FC236}">
+                <a16:creationId xmlns:a16="http://schemas.microsoft.com/office/drawing/2014/main" id="{475F0E73-7F3E-4F5D-A135-1B186EF57C0F}"/>
+              </a:ext>
+            </a:extLst>
+          </p:cNvPr>
+          <p:cNvCxnSpPr>
+            <a:cxnSpLocks/>
+          </p:cNvCxnSpPr>
+          <p:nvPr/>
+        </p:nvCxnSpPr>
+        <p:spPr>
+          <a:xfrm>
+            <a:off x="6980194" y="914400"/>
+            <a:ext cx="13605" cy="2284910"/>
+          </a:xfrm>
+          <a:prstGeom prst="line">
+            <a:avLst/>
+          </a:prstGeom>
+          <a:ln w="38100">
+            <a:solidFill>
+              <a:srgbClr val="FFC000"/>
+            </a:solidFill>
+          </a:ln>
+        </p:spPr>
+        <p:style>
+          <a:lnRef idx="1">
+            <a:schemeClr val="accent1"/>
+          </a:lnRef>
+          <a:fillRef idx="0">
+            <a:schemeClr val="accent1"/>
+          </a:fillRef>
+          <a:effectRef idx="0">
+            <a:schemeClr val="accent1"/>
+          </a:effectRef>
+          <a:fontRef idx="minor">
+            <a:schemeClr val="tx1"/>
+          </a:fontRef>
+        </p:style>
+      </p:cxnSp>
+      <p:cxnSp>
+        <p:nvCxnSpPr>
+          <p:cNvPr id="34" name="直接连接符 33">
+            <a:extLst>
+              <a:ext uri="{FF2B5EF4-FFF2-40B4-BE49-F238E27FC236}">
+                <a16:creationId xmlns:a16="http://schemas.microsoft.com/office/drawing/2014/main" id="{AF35939B-5292-4165-BF7A-FF565972CF0B}"/>
+              </a:ext>
+            </a:extLst>
+          </p:cNvPr>
+          <p:cNvCxnSpPr>
+            <a:cxnSpLocks/>
+          </p:cNvCxnSpPr>
+          <p:nvPr/>
+        </p:nvCxnSpPr>
+        <p:spPr>
+          <a:xfrm flipH="1">
+            <a:off x="6986996" y="1707749"/>
+            <a:ext cx="1469027" cy="1484119"/>
+          </a:xfrm>
+          <a:prstGeom prst="line">
+            <a:avLst/>
+          </a:prstGeom>
+          <a:ln w="38100">
+            <a:solidFill>
+              <a:srgbClr val="FFC000"/>
+            </a:solidFill>
+          </a:ln>
+        </p:spPr>
+        <p:style>
+          <a:lnRef idx="1">
+            <a:schemeClr val="accent1"/>
+          </a:lnRef>
+          <a:fillRef idx="0">
+            <a:schemeClr val="accent1"/>
+          </a:fillRef>
+          <a:effectRef idx="0">
+            <a:schemeClr val="accent1"/>
+          </a:effectRef>
+          <a:fontRef idx="minor">
+            <a:schemeClr val="tx1"/>
+          </a:fontRef>
+        </p:style>
+      </p:cxnSp>
+    </p:spTree>
+    <p:extLst>
+      <p:ext uri="{BB962C8B-B14F-4D97-AF65-F5344CB8AC3E}">
+        <p14:creationId xmlns:p14="http://schemas.microsoft.com/office/powerpoint/2010/main" val="404978953"/>
+      </p:ext>
+    </p:extLst>
+  </p:cSld>
+  <p:clrMapOvr>
+    <a:masterClrMapping/>
+  </p:clrMapOvr>
+</p:sld>
+</file>
+
 <file path=ppt/theme/theme1.xml><?xml version="1.0" encoding="utf-8"?>
 <a:theme xmlns:a="http://schemas.openxmlformats.org/drawingml/2006/main" name="Office 主题​​">
   <a:themeElements>
